--- a/Data Structures/slides/COM2067_Chapter2.pptx
+++ b/Data Structures/slides/COM2067_Chapter2.pptx
@@ -257,7 +257,7 @@
             <a:fld id="{3523C565-F6BB-4F42-8E95-4790F5B9E375}" type="datetimeFigureOut">
               <a:rPr lang="tr-TR" smtClean="0"/>
               <a:pPr/>
-              <a:t>6.10.2022</a:t>
+              <a:t>12.10.2023</a:t>
             </a:fld>
             <a:endParaRPr lang="tr-TR"/>
           </a:p>
@@ -7281,7 +7281,7 @@
             <a:fld id="{03CE3403-E2B5-4E8A-89D8-A2C3643C3380}" type="datetime1">
               <a:rPr lang="en-US" smtClean="0"/>
               <a:pPr/>
-              <a:t>10/6/2022</a:t>
+              <a:t>10/12/2023</a:t>
             </a:fld>
             <a:endParaRPr lang="en-US" dirty="0"/>
           </a:p>
@@ -7568,7 +7568,7 @@
             <a:fld id="{636FD9AE-622D-4D6E-B1FA-FF86DCF8EC81}" type="datetime1">
               <a:rPr lang="en-US" smtClean="0"/>
               <a:pPr/>
-              <a:t>10/6/2022</a:t>
+              <a:t>10/12/2023</a:t>
             </a:fld>
             <a:endParaRPr lang="en-US" dirty="0"/>
           </a:p>
@@ -7745,7 +7745,7 @@
             <a:fld id="{A91E7825-6EB5-4069-AE4D-CD6FFECBD5A8}" type="datetime1">
               <a:rPr lang="en-US" smtClean="0"/>
               <a:pPr/>
-              <a:t>10/6/2022</a:t>
+              <a:t>10/12/2023</a:t>
             </a:fld>
             <a:endParaRPr lang="en-US" dirty="0"/>
           </a:p>
@@ -7912,7 +7912,7 @@
             <a:fld id="{04359553-24D1-43E6-A105-C5B7D4915F5D}" type="datetime1">
               <a:rPr lang="en-US" smtClean="0"/>
               <a:pPr/>
-              <a:t>10/6/2022</a:t>
+              <a:t>10/12/2023</a:t>
             </a:fld>
             <a:endParaRPr lang="en-US" dirty="0"/>
           </a:p>
@@ -8155,7 +8155,7 @@
             <a:fld id="{6EDEF120-8076-4A7A-B793-2274FBA28191}" type="datetime1">
               <a:rPr lang="en-US" smtClean="0"/>
               <a:pPr/>
-              <a:t>10/6/2022</a:t>
+              <a:t>10/12/2023</a:t>
             </a:fld>
             <a:endParaRPr lang="en-US" dirty="0"/>
           </a:p>
@@ -8270,7 +8270,7 @@
             <a:fld id="{7894B68B-BF11-44FC-994F-5C1FD159CE2B}" type="datetime1">
               <a:rPr lang="en-US" smtClean="0"/>
               <a:pPr/>
-              <a:t>10/6/2022</a:t>
+              <a:t>10/12/2023</a:t>
             </a:fld>
             <a:endParaRPr lang="en-US" dirty="0"/>
           </a:p>
@@ -8811,7 +8811,7 @@
             <a:fld id="{4D3CC4FA-4925-4400-B613-A21B29FA01B5}" type="datetime1">
               <a:rPr lang="en-US" smtClean="0"/>
               <a:pPr/>
-              <a:t>10/6/2022</a:t>
+              <a:t>10/12/2023</a:t>
             </a:fld>
             <a:endParaRPr lang="en-US" dirty="0"/>
           </a:p>
@@ -8926,7 +8926,7 @@
             <a:fld id="{3561596D-A42C-4123-A2C9-1AA75A8A164E}" type="datetime1">
               <a:rPr lang="en-US" smtClean="0"/>
               <a:pPr/>
-              <a:t>10/6/2022</a:t>
+              <a:t>10/12/2023</a:t>
             </a:fld>
             <a:endParaRPr lang="en-US" dirty="0"/>
           </a:p>
@@ -9018,7 +9018,7 @@
             <a:fld id="{4FFB0925-351C-415F-AE54-F89DB471B483}" type="datetime1">
               <a:rPr lang="en-US" smtClean="0"/>
               <a:pPr/>
-              <a:t>10/6/2022</a:t>
+              <a:t>10/12/2023</a:t>
             </a:fld>
             <a:endParaRPr lang="en-US" dirty="0"/>
           </a:p>
@@ -11671,7 +11671,7 @@
             <a:fld id="{DE271209-091D-4FEB-A8CD-380AAC3CD9EC}" type="datetime1">
               <a:rPr lang="en-US" smtClean="0"/>
               <a:pPr/>
-              <a:t>10/6/2022</a:t>
+              <a:t>10/12/2023</a:t>
             </a:fld>
             <a:endParaRPr lang="en-US" dirty="0"/>
           </a:p>
@@ -14885,7 +14885,7 @@
             <a:fld id="{627B83C6-5B46-4D44-83C2-F3FA9C4C41C5}" type="datetime1">
               <a:rPr lang="en-US" smtClean="0"/>
               <a:pPr/>
-              <a:t>10/6/2022</a:t>
+              <a:t>10/12/2023</a:t>
             </a:fld>
             <a:endParaRPr lang="en-US" dirty="0"/>
           </a:p>
@@ -17709,7 +17709,7 @@
             <a:fld id="{A77C9E0A-1FB2-4327-A4E0-FE2C9CA9BF1A}" type="datetime1">
               <a:rPr lang="en-US" smtClean="0"/>
               <a:pPr/>
-              <a:t>10/6/2022</a:t>
+              <a:t>10/12/2023</a:t>
             </a:fld>
             <a:endParaRPr lang="en-US" dirty="0"/>
           </a:p>
@@ -18239,6 +18239,30 @@
       </p:sp>
       <p:sp>
         <p:nvSpPr>
+          <p:cNvPr id="4" name="3 Slayt Numarası Yer Tutucusu"/>
+          <p:cNvSpPr>
+            <a:spLocks noGrp="1"/>
+          </p:cNvSpPr>
+          <p:nvPr>
+            <p:ph type="sldNum" sz="quarter" idx="12"/>
+          </p:nvPr>
+        </p:nvSpPr>
+        <p:spPr/>
+        <p:txBody>
+          <a:bodyPr/>
+          <a:lstStyle/>
+          <a:p>
+            <a:fld id="{B6F15528-21DE-4FAA-801E-634DDDAF4B2B}" type="slidenum">
+              <a:rPr lang="en-US" smtClean="0"/>
+              <a:pPr/>
+              <a:t>1</a:t>
+            </a:fld>
+            <a:endParaRPr lang="en-US" dirty="0"/>
+          </a:p>
+        </p:txBody>
+      </p:sp>
+      <p:sp>
+        <p:nvSpPr>
           <p:cNvPr id="5" name="4 Altbilgi Yer Tutucusu"/>
           <p:cNvSpPr>
             <a:spLocks noGrp="1"/>
@@ -19263,19 +19287,13 @@
             </a:r>
             <a:r>
               <a:rPr lang="en-US" b="1" dirty="0"/>
-              <a:t>of the fields (name, address, course, and marks) cannot serve as primary keys, since two or more students may have the same name, or may have the same address (as they might be staying at the same place), or may be enrolled in the same course, or have obtained same marks. </a:t>
+              <a:t>of the fields (name, address, course, and marks) cannot serve as primary keys, since two or more students may have the same name, or may have the same address (as they might be staying at the same place), or may be enrolled in the same course, or have obtained same marks</a:t>
+            </a:r>
+            <a:r>
+              <a:rPr lang="en-US" b="1"/>
+              <a:t>. </a:t>
             </a:r>
             <a:endParaRPr lang="tr-TR" b="1" dirty="0" smtClean="0"/>
-          </a:p>
-          <a:p>
-            <a:r>
-              <a:rPr lang="en-US" b="1" dirty="0" smtClean="0"/>
-              <a:t>This </a:t>
-            </a:r>
-            <a:r>
-              <a:rPr lang="en-US" b="1" dirty="0"/>
-              <a:t>organization and hierarchy of data is taken further to form more complex types of data structures, which is discussed in Section 2.2. </a:t>
-            </a:r>
           </a:p>
         </p:txBody>
       </p:sp>
@@ -22379,19 +22397,7 @@
             </a:r>
             <a:r>
               <a:rPr lang="en-US" b="1" dirty="0"/>
-              <a:t>stack supports three basic operations: push, pop, and </a:t>
-            </a:r>
-            <a:r>
-              <a:rPr lang="en-US" b="1" dirty="0" smtClean="0"/>
-              <a:t>pee</a:t>
-            </a:r>
-            <a:r>
-              <a:rPr lang="tr-TR" b="1" dirty="0" smtClean="0"/>
-              <a:t>k</a:t>
-            </a:r>
-            <a:r>
-              <a:rPr lang="en-US" b="1" dirty="0" smtClean="0"/>
-              <a:t>. </a:t>
+              <a:t>stack supports three basic operations: push, pop, and peep. </a:t>
             </a:r>
             <a:endParaRPr lang="tr-TR" b="1" dirty="0" smtClean="0"/>
           </a:p>
@@ -22424,23 +22430,7 @@
             </a:r>
             <a:r>
               <a:rPr lang="en-US" b="1" dirty="0"/>
-              <a:t>the </a:t>
-            </a:r>
-            <a:r>
-              <a:rPr lang="en-US" b="1" dirty="0" smtClean="0"/>
-              <a:t>pee</a:t>
-            </a:r>
-            <a:r>
-              <a:rPr lang="tr-TR" b="1" dirty="0" smtClean="0"/>
-              <a:t>k</a:t>
-            </a:r>
-            <a:r>
-              <a:rPr lang="en-US" b="1" dirty="0" smtClean="0"/>
-              <a:t> </a:t>
-            </a:r>
-            <a:r>
-              <a:rPr lang="en-US" b="1" dirty="0"/>
-              <a:t>operation returns the value of the topmost element of the stack (without deleting it). </a:t>
+              <a:t>the peep operation returns the value of the topmost element of the stack (without deleting it). </a:t>
             </a:r>
             <a:endParaRPr lang="tr-TR" b="1" dirty="0" smtClean="0"/>
           </a:p>
@@ -29805,7 +29795,23 @@
             </a:r>
             <a:r>
               <a:rPr lang="en-US" b="1" dirty="0"/>
-              <a:t>a function is linear (without any loops or recursions), the efficiency of that algorithm or the running time of that algorithm can be given as the number of instructions it contains. </a:t>
+              <a:t>a function is </a:t>
+            </a:r>
+            <a:r>
+              <a:rPr lang="en-US" b="1" dirty="0" smtClean="0"/>
+              <a:t>linear</a:t>
+            </a:r>
+            <a:r>
+              <a:rPr lang="tr-TR" b="1" dirty="0" smtClean="0"/>
+              <a:t>,</a:t>
+            </a:r>
+            <a:r>
+              <a:rPr lang="en-US" b="1" dirty="0" smtClean="0"/>
+              <a:t> </a:t>
+            </a:r>
+            <a:r>
+              <a:rPr lang="en-US" b="1" dirty="0"/>
+              <a:t>the efficiency of that algorithm or the running time of that algorithm can be given as the number of instructions it contains. </a:t>
             </a:r>
             <a:endParaRPr lang="tr-TR" b="1" dirty="0" smtClean="0"/>
           </a:p>
